--- a/docs/ProjectPresentation.pptx
+++ b/docs/ProjectPresentation.pptx
@@ -110,6 +110,11 @@
       </a:defRPr>
     </a:lvl9pPr>
   </p:defaultTextStyle>
+  <p:extLst>
+    <p:ext uri="{EFAFB233-063F-42B5-8137-9DF3F51BA10A}">
+      <p15:sldGuideLst xmlns:p15="http://schemas.microsoft.com/office/powerpoint/2012/main"/>
+    </p:ext>
+  </p:extLst>
 </p:presentation>
 </file>
 
@@ -262,7 +267,7 @@
           <a:p>
             <a:fld id="{92ABAC52-45D8-4CEF-B6EA-82B745DB467D}" type="datetimeFigureOut">
               <a:rPr lang="en-GB" smtClean="0"/>
-              <a:t>13/12/2021</a:t>
+              <a:t>14/12/2021</a:t>
             </a:fld>
             <a:endParaRPr lang="en-GB"/>
           </a:p>
@@ -462,7 +467,7 @@
           <a:p>
             <a:fld id="{92ABAC52-45D8-4CEF-B6EA-82B745DB467D}" type="datetimeFigureOut">
               <a:rPr lang="en-GB" smtClean="0"/>
-              <a:t>13/12/2021</a:t>
+              <a:t>14/12/2021</a:t>
             </a:fld>
             <a:endParaRPr lang="en-GB"/>
           </a:p>
@@ -672,7 +677,7 @@
           <a:p>
             <a:fld id="{92ABAC52-45D8-4CEF-B6EA-82B745DB467D}" type="datetimeFigureOut">
               <a:rPr lang="en-GB" smtClean="0"/>
-              <a:t>13/12/2021</a:t>
+              <a:t>14/12/2021</a:t>
             </a:fld>
             <a:endParaRPr lang="en-GB"/>
           </a:p>
@@ -872,7 +877,7 @@
           <a:p>
             <a:fld id="{92ABAC52-45D8-4CEF-B6EA-82B745DB467D}" type="datetimeFigureOut">
               <a:rPr lang="en-GB" smtClean="0"/>
-              <a:t>13/12/2021</a:t>
+              <a:t>14/12/2021</a:t>
             </a:fld>
             <a:endParaRPr lang="en-GB"/>
           </a:p>
@@ -1148,7 +1153,7 @@
           <a:p>
             <a:fld id="{92ABAC52-45D8-4CEF-B6EA-82B745DB467D}" type="datetimeFigureOut">
               <a:rPr lang="en-GB" smtClean="0"/>
-              <a:t>13/12/2021</a:t>
+              <a:t>14/12/2021</a:t>
             </a:fld>
             <a:endParaRPr lang="en-GB"/>
           </a:p>
@@ -1416,7 +1421,7 @@
           <a:p>
             <a:fld id="{92ABAC52-45D8-4CEF-B6EA-82B745DB467D}" type="datetimeFigureOut">
               <a:rPr lang="en-GB" smtClean="0"/>
-              <a:t>13/12/2021</a:t>
+              <a:t>14/12/2021</a:t>
             </a:fld>
             <a:endParaRPr lang="en-GB"/>
           </a:p>
@@ -1831,7 +1836,7 @@
           <a:p>
             <a:fld id="{92ABAC52-45D8-4CEF-B6EA-82B745DB467D}" type="datetimeFigureOut">
               <a:rPr lang="en-GB" smtClean="0"/>
-              <a:t>13/12/2021</a:t>
+              <a:t>14/12/2021</a:t>
             </a:fld>
             <a:endParaRPr lang="en-GB"/>
           </a:p>
@@ -1973,7 +1978,7 @@
           <a:p>
             <a:fld id="{92ABAC52-45D8-4CEF-B6EA-82B745DB467D}" type="datetimeFigureOut">
               <a:rPr lang="en-GB" smtClean="0"/>
-              <a:t>13/12/2021</a:t>
+              <a:t>14/12/2021</a:t>
             </a:fld>
             <a:endParaRPr lang="en-GB"/>
           </a:p>
@@ -2086,7 +2091,7 @@
           <a:p>
             <a:fld id="{92ABAC52-45D8-4CEF-B6EA-82B745DB467D}" type="datetimeFigureOut">
               <a:rPr lang="en-GB" smtClean="0"/>
-              <a:t>13/12/2021</a:t>
+              <a:t>14/12/2021</a:t>
             </a:fld>
             <a:endParaRPr lang="en-GB"/>
           </a:p>
@@ -2399,7 +2404,7 @@
           <a:p>
             <a:fld id="{92ABAC52-45D8-4CEF-B6EA-82B745DB467D}" type="datetimeFigureOut">
               <a:rPr lang="en-GB" smtClean="0"/>
-              <a:t>13/12/2021</a:t>
+              <a:t>14/12/2021</a:t>
             </a:fld>
             <a:endParaRPr lang="en-GB"/>
           </a:p>
@@ -2688,7 +2693,7 @@
           <a:p>
             <a:fld id="{92ABAC52-45D8-4CEF-B6EA-82B745DB467D}" type="datetimeFigureOut">
               <a:rPr lang="en-GB" smtClean="0"/>
-              <a:t>13/12/2021</a:t>
+              <a:t>14/12/2021</a:t>
             </a:fld>
             <a:endParaRPr lang="en-GB"/>
           </a:p>
@@ -2931,7 +2936,7 @@
           <a:p>
             <a:fld id="{92ABAC52-45D8-4CEF-B6EA-82B745DB467D}" type="datetimeFigureOut">
               <a:rPr lang="en-GB" smtClean="0"/>
-              <a:t>13/12/2021</a:t>
+              <a:t>14/12/2021</a:t>
             </a:fld>
             <a:endParaRPr lang="en-GB"/>
           </a:p>
@@ -3662,7 +3667,15 @@
           <a:p>
             <a:r>
               <a:rPr lang="en-GB" dirty="0"/>
-              <a:t>A micro-service web-application that;</a:t>
+              <a:t>A </a:t>
+            </a:r>
+            <a:r>
+              <a:rPr lang="en-GB"/>
+              <a:t>micro-service data-driven web-application </a:t>
+            </a:r>
+            <a:r>
+              <a:rPr lang="en-GB" dirty="0"/>
+              <a:t>that;</a:t>
             </a:r>
           </a:p>
           <a:p>
